--- a/ゼミ発表資料/1821005_中間発表_comment.pptx
+++ b/ゼミ発表資料/1821005_中間発表_comment.pptx
@@ -234,7 +234,7 @@
           <a:p>
             <a:fld id="{27571B5F-C8EC-4379-AD76-80FD414F3861}" type="datetimeFigureOut">
               <a:rPr kumimoji="1" lang="ja-JP" altLang="en-US" smtClean="0"/>
-              <a:t>2021/7/30</a:t>
+              <a:t>2022/1/22</a:t>
             </a:fld>
             <a:endParaRPr kumimoji="1" lang="ja-JP" altLang="en-US"/>
           </a:p>
@@ -1160,7 +1160,7 @@
           <a:p>
             <a:fld id="{ED609840-96BF-4512-A2C1-C87E0BBF3D2F}" type="datetime1">
               <a:rPr kumimoji="1" lang="ja-JP" altLang="en-US" smtClean="0"/>
-              <a:t>2021/7/30</a:t>
+              <a:t>2022/1/22</a:t>
             </a:fld>
             <a:endParaRPr kumimoji="1" lang="ja-JP" altLang="en-US"/>
           </a:p>
@@ -1363,7 +1363,7 @@
           <a:p>
             <a:fld id="{F97B6116-28DE-44C1-8891-65688903BD50}" type="datetime1">
               <a:rPr kumimoji="1" lang="ja-JP" altLang="en-US" smtClean="0"/>
-              <a:t>2021/7/30</a:t>
+              <a:t>2022/1/22</a:t>
             </a:fld>
             <a:endParaRPr kumimoji="1" lang="ja-JP" altLang="en-US"/>
           </a:p>
@@ -1576,7 +1576,7 @@
           <a:p>
             <a:fld id="{EDE04BF4-1FC0-40EE-A15F-5986BB2387E9}" type="datetime1">
               <a:rPr kumimoji="1" lang="ja-JP" altLang="en-US" smtClean="0"/>
-              <a:t>2021/7/30</a:t>
+              <a:t>2022/1/22</a:t>
             </a:fld>
             <a:endParaRPr kumimoji="1" lang="ja-JP" altLang="en-US"/>
           </a:p>
@@ -1779,7 +1779,7 @@
           <a:p>
             <a:fld id="{AFE4124D-C094-469A-99BC-7EA66CDB293F}" type="datetime1">
               <a:rPr kumimoji="1" lang="ja-JP" altLang="en-US" smtClean="0"/>
-              <a:t>2021/7/30</a:t>
+              <a:t>2022/1/22</a:t>
             </a:fld>
             <a:endParaRPr kumimoji="1" lang="ja-JP" altLang="en-US"/>
           </a:p>
@@ -2028,7 +2028,7 @@
           <a:p>
             <a:fld id="{F808FAA8-DC38-46BC-9A48-0414366DDF43}" type="datetime1">
               <a:rPr kumimoji="1" lang="ja-JP" altLang="en-US" smtClean="0"/>
-              <a:t>2021/7/30</a:t>
+              <a:t>2022/1/22</a:t>
             </a:fld>
             <a:endParaRPr kumimoji="1" lang="ja-JP" altLang="en-US"/>
           </a:p>
@@ -2325,7 +2325,7 @@
           <a:p>
             <a:fld id="{43B61DD3-8484-4FD8-9D55-71FA047E405C}" type="datetime1">
               <a:rPr kumimoji="1" lang="ja-JP" altLang="en-US" smtClean="0"/>
-              <a:t>2021/7/30</a:t>
+              <a:t>2022/1/22</a:t>
             </a:fld>
             <a:endParaRPr kumimoji="1" lang="ja-JP" altLang="en-US"/>
           </a:p>
@@ -2757,7 +2757,7 @@
           <a:p>
             <a:fld id="{61FE3252-B303-4BFD-B995-E88780D087A2}" type="datetime1">
               <a:rPr kumimoji="1" lang="ja-JP" altLang="en-US" smtClean="0"/>
-              <a:t>2021/7/30</a:t>
+              <a:t>2022/1/22</a:t>
             </a:fld>
             <a:endParaRPr kumimoji="1" lang="ja-JP" altLang="en-US"/>
           </a:p>
@@ -2876,7 +2876,7 @@
           <a:p>
             <a:fld id="{83973884-A525-473B-9B85-E710649C3EE9}" type="datetime1">
               <a:rPr kumimoji="1" lang="ja-JP" altLang="en-US" smtClean="0"/>
-              <a:t>2021/7/30</a:t>
+              <a:t>2022/1/22</a:t>
             </a:fld>
             <a:endParaRPr kumimoji="1" lang="ja-JP" altLang="en-US"/>
           </a:p>
@@ -2972,7 +2972,7 @@
           <a:p>
             <a:fld id="{630B9591-4670-4AF8-B7B7-F5F2443A761A}" type="datetime1">
               <a:rPr kumimoji="1" lang="ja-JP" altLang="en-US" smtClean="0"/>
-              <a:t>2021/7/30</a:t>
+              <a:t>2022/1/22</a:t>
             </a:fld>
             <a:endParaRPr kumimoji="1" lang="ja-JP" altLang="en-US"/>
           </a:p>
@@ -3282,7 +3282,7 @@
           <a:p>
             <a:fld id="{434F6BA0-5DA2-4153-9B76-E2457FA21F47}" type="datetime1">
               <a:rPr kumimoji="1" lang="ja-JP" altLang="en-US" smtClean="0"/>
-              <a:t>2021/7/30</a:t>
+              <a:t>2022/1/22</a:t>
             </a:fld>
             <a:endParaRPr kumimoji="1" lang="ja-JP" altLang="en-US"/>
           </a:p>
@@ -3540,7 +3540,7 @@
           <a:p>
             <a:fld id="{590B58CC-0A81-4826-A84E-1F1030B25368}" type="datetime1">
               <a:rPr kumimoji="1" lang="ja-JP" altLang="en-US" smtClean="0"/>
-              <a:t>2021/7/30</a:t>
+              <a:t>2022/1/22</a:t>
             </a:fld>
             <a:endParaRPr kumimoji="1" lang="ja-JP" altLang="en-US"/>
           </a:p>
@@ -3786,7 +3786,7 @@
           <a:p>
             <a:fld id="{77253A0B-EAD4-46D7-BD2F-C5BFFB89C890}" type="datetime1">
               <a:rPr kumimoji="1" lang="ja-JP" altLang="en-US" smtClean="0"/>
-              <a:t>2021/7/30</a:t>
+              <a:t>2022/1/22</a:t>
             </a:fld>
             <a:endParaRPr kumimoji="1" lang="ja-JP" altLang="en-US"/>
           </a:p>
